--- a/docs/Online időpontfoglaló fullstack webalkalmazás fejlesztése.pptx
+++ b/docs/Online időpontfoglaló fullstack webalkalmazás fejlesztése.pptx
@@ -10,8 +10,8 @@
   <p:sldIdLst>
     <p:sldId id="256" r:id="rId2"/>
     <p:sldId id="258" r:id="rId3"/>
-    <p:sldId id="259" r:id="rId4"/>
-    <p:sldId id="257" r:id="rId5"/>
+    <p:sldId id="257" r:id="rId4"/>
+    <p:sldId id="259" r:id="rId5"/>
     <p:sldId id="260" r:id="rId6"/>
     <p:sldId id="261" r:id="rId7"/>
     <p:sldId id="262" r:id="rId8"/>
@@ -3504,7 +3504,7 @@
           <a:p>
             <a:fld id="{34980221-33A7-4EB5-AC37-741C9A408FFC}" type="datetimeFigureOut">
               <a:rPr lang="hu-HU" smtClean="0"/>
-              <a:t>2024. 05. 28.</a:t>
+              <a:t>2024. 05. 29.</a:t>
             </a:fld>
             <a:endParaRPr lang="hu-HU"/>
           </a:p>
@@ -3920,7 +3920,7 @@
           <a:p>
             <a:fld id="{96881EF6-0EB9-4041-9DC2-F0E7B477C8B0}" type="slidenum">
               <a:rPr lang="hu-HU" smtClean="0"/>
-              <a:t>4</a:t>
+              <a:t>3</a:t>
             </a:fld>
             <a:endParaRPr lang="hu-HU"/>
           </a:p>
@@ -4027,6 +4027,238 @@
     <p:extLst>
       <p:ext uri="{BB962C8B-B14F-4D97-AF65-F5344CB8AC3E}">
         <p14:creationId xmlns:p14="http://schemas.microsoft.com/office/powerpoint/2010/main" val="4137635314"/>
+      </p:ext>
+    </p:extLst>
+  </p:cSld>
+  <p:clrMapOvr>
+    <a:masterClrMapping/>
+  </p:clrMapOvr>
+</p:notes>
+</file>
+
+<file path=ppt/notesSlides/notesSlide4.xml><?xml version="1.0" encoding="utf-8"?>
+<p:notes xmlns:a="http://schemas.openxmlformats.org/drawingml/2006/main" xmlns:r="http://schemas.openxmlformats.org/officeDocument/2006/relationships" xmlns:p="http://schemas.openxmlformats.org/presentationml/2006/main">
+  <p:cSld>
+    <p:spTree>
+      <p:nvGrpSpPr>
+        <p:cNvPr id="1" name=""/>
+        <p:cNvGrpSpPr/>
+        <p:nvPr/>
+      </p:nvGrpSpPr>
+      <p:grpSpPr>
+        <a:xfrm>
+          <a:off x="0" y="0"/>
+          <a:ext cx="0" cy="0"/>
+          <a:chOff x="0" y="0"/>
+          <a:chExt cx="0" cy="0"/>
+        </a:xfrm>
+      </p:grpSpPr>
+      <p:sp>
+        <p:nvSpPr>
+          <p:cNvPr id="2" name="Diakép helye 1"/>
+          <p:cNvSpPr>
+            <a:spLocks noGrp="1" noRot="1" noChangeAspect="1"/>
+          </p:cNvSpPr>
+          <p:nvPr>
+            <p:ph type="sldImg"/>
+          </p:nvPr>
+        </p:nvSpPr>
+        <p:spPr/>
+      </p:sp>
+      <p:sp>
+        <p:nvSpPr>
+          <p:cNvPr id="3" name="Jegyzetek helye 2"/>
+          <p:cNvSpPr>
+            <a:spLocks noGrp="1"/>
+          </p:cNvSpPr>
+          <p:nvPr>
+            <p:ph type="body" idx="1"/>
+          </p:nvPr>
+        </p:nvSpPr>
+        <p:spPr/>
+        <p:txBody>
+          <a:bodyPr/>
+          <a:lstStyle/>
+          <a:p>
+            <a:r>
+              <a:rPr lang="en-US" dirty="0" err="1"/>
+              <a:t>Fontos</a:t>
+            </a:r>
+            <a:r>
+              <a:rPr lang="en-US" dirty="0"/>
+              <a:t>: </a:t>
+            </a:r>
+            <a:r>
+              <a:rPr lang="en-US" dirty="0" err="1"/>
+              <a:t>függőségek</a:t>
+            </a:r>
+            <a:r>
+              <a:rPr lang="en-US" dirty="0"/>
+              <a:t> </a:t>
+            </a:r>
+            <a:r>
+              <a:rPr lang="en-US" dirty="0" err="1"/>
+              <a:t>végül</a:t>
+            </a:r>
+            <a:r>
+              <a:rPr lang="en-US" dirty="0"/>
+              <a:t> </a:t>
+            </a:r>
+            <a:r>
+              <a:rPr lang="en-US" dirty="0" err="1"/>
+              <a:t>egy</a:t>
+            </a:r>
+            <a:r>
+              <a:rPr lang="en-US" dirty="0"/>
+              <a:t> </a:t>
+            </a:r>
+            <a:r>
+              <a:rPr lang="en-US" dirty="0" err="1"/>
+              <a:t>fát</a:t>
+            </a:r>
+            <a:r>
+              <a:rPr lang="en-US" dirty="0"/>
+              <a:t> </a:t>
+            </a:r>
+            <a:r>
+              <a:rPr lang="en-US" dirty="0" err="1"/>
+              <a:t>alkossanak</a:t>
+            </a:r>
+            <a:endParaRPr lang="hu-HU" dirty="0"/>
+          </a:p>
+        </p:txBody>
+      </p:sp>
+      <p:sp>
+        <p:nvSpPr>
+          <p:cNvPr id="4" name="Dia számának helye 3"/>
+          <p:cNvSpPr>
+            <a:spLocks noGrp="1"/>
+          </p:cNvSpPr>
+          <p:nvPr>
+            <p:ph type="sldNum" sz="quarter" idx="5"/>
+          </p:nvPr>
+        </p:nvSpPr>
+        <p:spPr/>
+        <p:txBody>
+          <a:bodyPr/>
+          <a:lstStyle/>
+          <a:p>
+            <a:fld id="{96881EF6-0EB9-4041-9DC2-F0E7B477C8B0}" type="slidenum">
+              <a:rPr lang="hu-HU" smtClean="0"/>
+              <a:t>7</a:t>
+            </a:fld>
+            <a:endParaRPr lang="hu-HU"/>
+          </a:p>
+        </p:txBody>
+      </p:sp>
+    </p:spTree>
+    <p:extLst>
+      <p:ext uri="{BB962C8B-B14F-4D97-AF65-F5344CB8AC3E}">
+        <p14:creationId xmlns:p14="http://schemas.microsoft.com/office/powerpoint/2010/main" val="3198466494"/>
+      </p:ext>
+    </p:extLst>
+  </p:cSld>
+  <p:clrMapOvr>
+    <a:masterClrMapping/>
+  </p:clrMapOvr>
+</p:notes>
+</file>
+
+<file path=ppt/notesSlides/notesSlide5.xml><?xml version="1.0" encoding="utf-8"?>
+<p:notes xmlns:a="http://schemas.openxmlformats.org/drawingml/2006/main" xmlns:r="http://schemas.openxmlformats.org/officeDocument/2006/relationships" xmlns:p="http://schemas.openxmlformats.org/presentationml/2006/main">
+  <p:cSld>
+    <p:spTree>
+      <p:nvGrpSpPr>
+        <p:cNvPr id="1" name=""/>
+        <p:cNvGrpSpPr/>
+        <p:nvPr/>
+      </p:nvGrpSpPr>
+      <p:grpSpPr>
+        <a:xfrm>
+          <a:off x="0" y="0"/>
+          <a:ext cx="0" cy="0"/>
+          <a:chOff x="0" y="0"/>
+          <a:chExt cx="0" cy="0"/>
+        </a:xfrm>
+      </p:grpSpPr>
+      <p:sp>
+        <p:nvSpPr>
+          <p:cNvPr id="2" name="Diakép helye 1"/>
+          <p:cNvSpPr>
+            <a:spLocks noGrp="1" noRot="1" noChangeAspect="1"/>
+          </p:cNvSpPr>
+          <p:nvPr>
+            <p:ph type="sldImg"/>
+          </p:nvPr>
+        </p:nvSpPr>
+        <p:spPr/>
+      </p:sp>
+      <p:sp>
+        <p:nvSpPr>
+          <p:cNvPr id="3" name="Jegyzetek helye 2"/>
+          <p:cNvSpPr>
+            <a:spLocks noGrp="1"/>
+          </p:cNvSpPr>
+          <p:nvPr>
+            <p:ph type="body" idx="1"/>
+          </p:nvPr>
+        </p:nvSpPr>
+        <p:spPr/>
+        <p:txBody>
+          <a:bodyPr/>
+          <a:lstStyle/>
+          <a:p>
+            <a:r>
+              <a:rPr lang="en-US" dirty="0" err="1"/>
+              <a:t>Még</a:t>
+            </a:r>
+            <a:r>
+              <a:rPr lang="en-US" dirty="0"/>
+              <a:t> </a:t>
+            </a:r>
+            <a:r>
+              <a:rPr lang="en-US" dirty="0" err="1"/>
+              <a:t>nem</a:t>
+            </a:r>
+            <a:r>
+              <a:rPr lang="en-US" dirty="0"/>
+              <a:t> </a:t>
+            </a:r>
+            <a:r>
+              <a:rPr lang="en-US" dirty="0" err="1"/>
+              <a:t>teljes</a:t>
+            </a:r>
+            <a:endParaRPr lang="hu-HU" dirty="0"/>
+          </a:p>
+        </p:txBody>
+      </p:sp>
+      <p:sp>
+        <p:nvSpPr>
+          <p:cNvPr id="4" name="Dia számának helye 3"/>
+          <p:cNvSpPr>
+            <a:spLocks noGrp="1"/>
+          </p:cNvSpPr>
+          <p:nvPr>
+            <p:ph type="sldNum" sz="quarter" idx="5"/>
+          </p:nvPr>
+        </p:nvSpPr>
+        <p:spPr/>
+        <p:txBody>
+          <a:bodyPr/>
+          <a:lstStyle/>
+          <a:p>
+            <a:fld id="{96881EF6-0EB9-4041-9DC2-F0E7B477C8B0}" type="slidenum">
+              <a:rPr lang="hu-HU" smtClean="0"/>
+              <a:t>8</a:t>
+            </a:fld>
+            <a:endParaRPr lang="hu-HU"/>
+          </a:p>
+        </p:txBody>
+      </p:sp>
+    </p:spTree>
+    <p:extLst>
+      <p:ext uri="{BB962C8B-B14F-4D97-AF65-F5344CB8AC3E}">
+        <p14:creationId xmlns:p14="http://schemas.microsoft.com/office/powerpoint/2010/main" val="3452429434"/>
       </p:ext>
     </p:extLst>
   </p:cSld>
@@ -4781,7 +5013,7 @@
           <a:p>
             <a:fld id="{772D94A4-5E2A-4095-AD49-85E1763C906B}" type="datetimeFigureOut">
               <a:rPr lang="hu-HU" smtClean="0"/>
-              <a:t>2024. 05. 28.</a:t>
+              <a:t>2024. 05. 29.</a:t>
             </a:fld>
             <a:endParaRPr lang="hu-HU"/>
           </a:p>
@@ -5032,7 +5264,7 @@
           <a:p>
             <a:fld id="{772D94A4-5E2A-4095-AD49-85E1763C906B}" type="datetimeFigureOut">
               <a:rPr lang="hu-HU" smtClean="0"/>
-              <a:t>2024. 05. 28.</a:t>
+              <a:t>2024. 05. 29.</a:t>
             </a:fld>
             <a:endParaRPr lang="hu-HU"/>
           </a:p>
@@ -5346,7 +5578,7 @@
           <a:p>
             <a:fld id="{772D94A4-5E2A-4095-AD49-85E1763C906B}" type="datetimeFigureOut">
               <a:rPr lang="hu-HU" smtClean="0"/>
-              <a:t>2024. 05. 28.</a:t>
+              <a:t>2024. 05. 29.</a:t>
             </a:fld>
             <a:endParaRPr lang="hu-HU"/>
           </a:p>
@@ -5679,7 +5911,7 @@
           <a:p>
             <a:fld id="{772D94A4-5E2A-4095-AD49-85E1763C906B}" type="datetimeFigureOut">
               <a:rPr lang="hu-HU" smtClean="0"/>
-              <a:t>2024. 05. 28.</a:t>
+              <a:t>2024. 05. 29.</a:t>
             </a:fld>
             <a:endParaRPr lang="hu-HU"/>
           </a:p>
@@ -5993,7 +6225,7 @@
           <a:p>
             <a:fld id="{772D94A4-5E2A-4095-AD49-85E1763C906B}" type="datetimeFigureOut">
               <a:rPr lang="hu-HU" smtClean="0"/>
-              <a:t>2024. 05. 28.</a:t>
+              <a:t>2024. 05. 29.</a:t>
             </a:fld>
             <a:endParaRPr lang="hu-HU"/>
           </a:p>
@@ -6386,7 +6618,7 @@
           <a:p>
             <a:fld id="{772D94A4-5E2A-4095-AD49-85E1763C906B}" type="datetimeFigureOut">
               <a:rPr lang="hu-HU" smtClean="0"/>
-              <a:t>2024. 05. 28.</a:t>
+              <a:t>2024. 05. 29.</a:t>
             </a:fld>
             <a:endParaRPr lang="hu-HU"/>
           </a:p>
@@ -6556,7 +6788,7 @@
           <a:p>
             <a:fld id="{772D94A4-5E2A-4095-AD49-85E1763C906B}" type="datetimeFigureOut">
               <a:rPr lang="hu-HU" smtClean="0"/>
-              <a:t>2024. 05. 28.</a:t>
+              <a:t>2024. 05. 29.</a:t>
             </a:fld>
             <a:endParaRPr lang="hu-HU"/>
           </a:p>
@@ -6736,7 +6968,7 @@
           <a:p>
             <a:fld id="{772D94A4-5E2A-4095-AD49-85E1763C906B}" type="datetimeFigureOut">
               <a:rPr lang="hu-HU" smtClean="0"/>
-              <a:t>2024. 05. 28.</a:t>
+              <a:t>2024. 05. 29.</a:t>
             </a:fld>
             <a:endParaRPr lang="hu-HU"/>
           </a:p>
@@ -6906,7 +7138,7 @@
           <a:p>
             <a:fld id="{772D94A4-5E2A-4095-AD49-85E1763C906B}" type="datetimeFigureOut">
               <a:rPr lang="hu-HU" smtClean="0"/>
-              <a:t>2024. 05. 28.</a:t>
+              <a:t>2024. 05. 29.</a:t>
             </a:fld>
             <a:endParaRPr lang="hu-HU"/>
           </a:p>
@@ -7153,7 +7385,7 @@
           <a:p>
             <a:fld id="{772D94A4-5E2A-4095-AD49-85E1763C906B}" type="datetimeFigureOut">
               <a:rPr lang="hu-HU" smtClean="0"/>
-              <a:t>2024. 05. 28.</a:t>
+              <a:t>2024. 05. 29.</a:t>
             </a:fld>
             <a:endParaRPr lang="hu-HU"/>
           </a:p>
@@ -7385,7 +7617,7 @@
           <a:p>
             <a:fld id="{772D94A4-5E2A-4095-AD49-85E1763C906B}" type="datetimeFigureOut">
               <a:rPr lang="hu-HU" smtClean="0"/>
-              <a:t>2024. 05. 28.</a:t>
+              <a:t>2024. 05. 29.</a:t>
             </a:fld>
             <a:endParaRPr lang="hu-HU"/>
           </a:p>
@@ -7759,7 +7991,7 @@
           <a:p>
             <a:fld id="{772D94A4-5E2A-4095-AD49-85E1763C906B}" type="datetimeFigureOut">
               <a:rPr lang="hu-HU" smtClean="0"/>
-              <a:t>2024. 05. 28.</a:t>
+              <a:t>2024. 05. 29.</a:t>
             </a:fld>
             <a:endParaRPr lang="hu-HU"/>
           </a:p>
@@ -7882,7 +8114,7 @@
           <a:p>
             <a:fld id="{772D94A4-5E2A-4095-AD49-85E1763C906B}" type="datetimeFigureOut">
               <a:rPr lang="hu-HU" smtClean="0"/>
-              <a:t>2024. 05. 28.</a:t>
+              <a:t>2024. 05. 29.</a:t>
             </a:fld>
             <a:endParaRPr lang="hu-HU"/>
           </a:p>
@@ -7977,7 +8209,7 @@
           <a:p>
             <a:fld id="{772D94A4-5E2A-4095-AD49-85E1763C906B}" type="datetimeFigureOut">
               <a:rPr lang="hu-HU" smtClean="0"/>
-              <a:t>2024. 05. 28.</a:t>
+              <a:t>2024. 05. 29.</a:t>
             </a:fld>
             <a:endParaRPr lang="hu-HU"/>
           </a:p>
@@ -8232,7 +8464,7 @@
           <a:p>
             <a:fld id="{772D94A4-5E2A-4095-AD49-85E1763C906B}" type="datetimeFigureOut">
               <a:rPr lang="hu-HU" smtClean="0"/>
-              <a:t>2024. 05. 28.</a:t>
+              <a:t>2024. 05. 29.</a:t>
             </a:fld>
             <a:endParaRPr lang="hu-HU"/>
           </a:p>
@@ -8537,7 +8769,7 @@
           <a:p>
             <a:fld id="{772D94A4-5E2A-4095-AD49-85E1763C906B}" type="datetimeFigureOut">
               <a:rPr lang="hu-HU" smtClean="0"/>
-              <a:t>2024. 05. 28.</a:t>
+              <a:t>2024. 05. 29.</a:t>
             </a:fld>
             <a:endParaRPr lang="hu-HU"/>
           </a:p>
@@ -9239,7 +9471,7 @@
           <a:p>
             <a:fld id="{772D94A4-5E2A-4095-AD49-85E1763C906B}" type="datetimeFigureOut">
               <a:rPr lang="hu-HU" smtClean="0"/>
-              <a:t>2024. 05. 28.</a:t>
+              <a:t>2024. 05. 29.</a:t>
             </a:fld>
             <a:endParaRPr lang="hu-HU"/>
           </a:p>
@@ -9786,37 +10018,18 @@
           </a:bodyPr>
           <a:lstStyle/>
           <a:p>
+            <a:pPr algn="ctr"/>
             <a:r>
               <a:rPr lang="en-US" dirty="0"/>
               <a:t>Online </a:t>
             </a:r>
             <a:r>
               <a:rPr lang="en-US" dirty="0" err="1"/>
-              <a:t>időpontfoglaló</a:t>
+              <a:t>fullstack</a:t>
             </a:r>
             <a:r>
               <a:rPr lang="en-US" dirty="0"/>
-              <a:t> </a:t>
-            </a:r>
-            <a:r>
-              <a:rPr lang="en-US" dirty="0" err="1"/>
-              <a:t>fullstack</a:t>
-            </a:r>
-            <a:r>
-              <a:rPr lang="en-US" dirty="0"/>
-              <a:t> </a:t>
-            </a:r>
-            <a:r>
-              <a:rPr lang="en-US" dirty="0" err="1"/>
-              <a:t>webalkalmazás</a:t>
-            </a:r>
-            <a:r>
-              <a:rPr lang="en-US" dirty="0"/>
-              <a:t> </a:t>
-            </a:r>
-            <a:r>
-              <a:rPr lang="en-US" dirty="0" err="1"/>
-              <a:t>fejlesztése</a:t>
+              <a:t> web application for appointment booking</a:t>
             </a:r>
             <a:endParaRPr lang="hu-HU" dirty="0"/>
           </a:p>
@@ -9845,29 +10058,25 @@
           <a:p>
             <a:r>
               <a:rPr lang="en-US" dirty="0"/>
-              <a:t>Jankó Júlia</a:t>
-            </a:r>
-          </a:p>
-          <a:p>
+              <a:t>Júlia Jankó</a:t>
+            </a:r>
+          </a:p>
+          <a:p>
+            <a:r>
+              <a:rPr lang="en-US" dirty="0"/>
+              <a:t>Advisor: </a:t>
+            </a:r>
             <a:r>
               <a:rPr lang="en-US" dirty="0" err="1"/>
-              <a:t>Konzulens</a:t>
+              <a:t>Gábor</a:t>
             </a:r>
             <a:r>
               <a:rPr lang="en-US" dirty="0"/>
-              <a:t>: </a:t>
+              <a:t> </a:t>
             </a:r>
             <a:r>
               <a:rPr lang="en-US" dirty="0" err="1"/>
               <a:t>Kövesdán</a:t>
-            </a:r>
-            <a:r>
-              <a:rPr lang="en-US" dirty="0"/>
-              <a:t> </a:t>
-            </a:r>
-            <a:r>
-              <a:rPr lang="en-US" dirty="0" err="1"/>
-              <a:t>Gábor</a:t>
             </a:r>
             <a:endParaRPr lang="hu-HU" dirty="0"/>
           </a:p>
@@ -10640,90 +10849,6 @@
           <p:cNvPr id="2" name="Cím 1">
             <a:extLst>
               <a:ext uri="{FF2B5EF4-FFF2-40B4-BE49-F238E27FC236}">
-                <a16:creationId xmlns:a16="http://schemas.microsoft.com/office/drawing/2014/main" id="{911D6D5C-E8A4-8DE8-C78F-B1FD3074D50B}"/>
-              </a:ext>
-            </a:extLst>
-          </p:cNvPr>
-          <p:cNvSpPr>
-            <a:spLocks noGrp="1"/>
-          </p:cNvSpPr>
-          <p:nvPr>
-            <p:ph type="title"/>
-          </p:nvPr>
-        </p:nvSpPr>
-        <p:spPr/>
-        <p:txBody>
-          <a:bodyPr/>
-          <a:lstStyle/>
-          <a:p>
-            <a:r>
-              <a:rPr lang="en-US" dirty="0"/>
-              <a:t>Some action flow diagram?</a:t>
-            </a:r>
-            <a:endParaRPr lang="hu-HU" dirty="0"/>
-          </a:p>
-        </p:txBody>
-      </p:sp>
-      <p:sp>
-        <p:nvSpPr>
-          <p:cNvPr id="3" name="Tartalom helye 2">
-            <a:extLst>
-              <a:ext uri="{FF2B5EF4-FFF2-40B4-BE49-F238E27FC236}">
-                <a16:creationId xmlns:a16="http://schemas.microsoft.com/office/drawing/2014/main" id="{6F126193-7FE6-55D3-1B7D-BE58A3388DD0}"/>
-              </a:ext>
-            </a:extLst>
-          </p:cNvPr>
-          <p:cNvSpPr>
-            <a:spLocks noGrp="1"/>
-          </p:cNvSpPr>
-          <p:nvPr>
-            <p:ph idx="1"/>
-          </p:nvPr>
-        </p:nvSpPr>
-        <p:spPr/>
-        <p:txBody>
-          <a:bodyPr/>
-          <a:lstStyle/>
-          <a:p>
-            <a:endParaRPr lang="hu-HU"/>
-          </a:p>
-        </p:txBody>
-      </p:sp>
-    </p:spTree>
-    <p:extLst>
-      <p:ext uri="{BB962C8B-B14F-4D97-AF65-F5344CB8AC3E}">
-        <p14:creationId xmlns:p14="http://schemas.microsoft.com/office/powerpoint/2010/main" val="1784760219"/>
-      </p:ext>
-    </p:extLst>
-  </p:cSld>
-  <p:clrMapOvr>
-    <a:masterClrMapping/>
-  </p:clrMapOvr>
-</p:sld>
-</file>
-
-<file path=ppt/slides/slide4.xml><?xml version="1.0" encoding="utf-8"?>
-<p:sld xmlns:a="http://schemas.openxmlformats.org/drawingml/2006/main" xmlns:r="http://schemas.openxmlformats.org/officeDocument/2006/relationships" xmlns:p="http://schemas.openxmlformats.org/presentationml/2006/main">
-  <p:cSld>
-    <p:spTree>
-      <p:nvGrpSpPr>
-        <p:cNvPr id="1" name=""/>
-        <p:cNvGrpSpPr/>
-        <p:nvPr/>
-      </p:nvGrpSpPr>
-      <p:grpSpPr>
-        <a:xfrm>
-          <a:off x="0" y="0"/>
-          <a:ext cx="0" cy="0"/>
-          <a:chOff x="0" y="0"/>
-          <a:chExt cx="0" cy="0"/>
-        </a:xfrm>
-      </p:grpSpPr>
-      <p:sp>
-        <p:nvSpPr>
-          <p:cNvPr id="2" name="Cím 1">
-            <a:extLst>
-              <a:ext uri="{FF2B5EF4-FFF2-40B4-BE49-F238E27FC236}">
                 <a16:creationId xmlns:a16="http://schemas.microsoft.com/office/drawing/2014/main" id="{C697D7A2-9FB4-A42E-01FF-0101ED97E3D4}"/>
               </a:ext>
             </a:extLst>
@@ -11026,7 +11151,7 @@
         <p:spPr>
           <a:xfrm>
             <a:off x="5171321" y="4664833"/>
-            <a:ext cx="534057" cy="369332"/>
+            <a:ext cx="704039" cy="369332"/>
           </a:xfrm>
           <a:prstGeom prst="rect">
             <a:avLst/>
@@ -11041,7 +11166,7 @@
           <a:p>
             <a:r>
               <a:rPr lang="en-US" dirty="0"/>
-              <a:t>JPA</a:t>
+              <a:t>JDBC</a:t>
             </a:r>
             <a:endParaRPr lang="hu-HU" dirty="0"/>
           </a:p>
@@ -11168,6 +11293,311 @@
 </p:sld>
 </file>
 
+<file path=ppt/slides/slide4.xml><?xml version="1.0" encoding="utf-8"?>
+<p:sld xmlns:a="http://schemas.openxmlformats.org/drawingml/2006/main" xmlns:r="http://schemas.openxmlformats.org/officeDocument/2006/relationships" xmlns:p="http://schemas.openxmlformats.org/presentationml/2006/main">
+  <p:cSld>
+    <p:spTree>
+      <p:nvGrpSpPr>
+        <p:cNvPr id="1" name=""/>
+        <p:cNvGrpSpPr/>
+        <p:nvPr/>
+      </p:nvGrpSpPr>
+      <p:grpSpPr>
+        <a:xfrm>
+          <a:off x="0" y="0"/>
+          <a:ext cx="0" cy="0"/>
+          <a:chOff x="0" y="0"/>
+          <a:chExt cx="0" cy="0"/>
+        </a:xfrm>
+      </p:grpSpPr>
+      <p:pic>
+        <p:nvPicPr>
+          <p:cNvPr id="5" name="Kép 4">
+            <a:extLst>
+              <a:ext uri="{FF2B5EF4-FFF2-40B4-BE49-F238E27FC236}">
+                <a16:creationId xmlns:a16="http://schemas.microsoft.com/office/drawing/2014/main" id="{A98203AF-ECAB-A656-4C84-F8E2F90C5AA5}"/>
+              </a:ext>
+            </a:extLst>
+          </p:cNvPr>
+          <p:cNvPicPr>
+            <a:picLocks noChangeAspect="1"/>
+          </p:cNvPicPr>
+          <p:nvPr/>
+        </p:nvPicPr>
+        <p:blipFill>
+          <a:blip r:embed="rId2"/>
+          <a:stretch>
+            <a:fillRect/>
+          </a:stretch>
+        </p:blipFill>
+        <p:spPr>
+          <a:xfrm>
+            <a:off x="251538" y="2403476"/>
+            <a:ext cx="6753225" cy="2524125"/>
+          </a:xfrm>
+          <a:prstGeom prst="rect">
+            <a:avLst/>
+          </a:prstGeom>
+        </p:spPr>
+      </p:pic>
+      <p:pic>
+        <p:nvPicPr>
+          <p:cNvPr id="1026" name="Picture 2">
+            <a:extLst>
+              <a:ext uri="{FF2B5EF4-FFF2-40B4-BE49-F238E27FC236}">
+                <a16:creationId xmlns:a16="http://schemas.microsoft.com/office/drawing/2014/main" id="{0DC6C262-CD1E-F3E6-674E-5DD3B6764095}"/>
+              </a:ext>
+            </a:extLst>
+          </p:cNvPr>
+          <p:cNvPicPr>
+            <a:picLocks noGrp="1" noChangeAspect="1" noChangeArrowheads="1"/>
+          </p:cNvPicPr>
+          <p:nvPr>
+            <p:ph idx="1"/>
+          </p:nvPr>
+        </p:nvPicPr>
+        <p:blipFill>
+          <a:blip r:embed="rId3">
+            <a:extLst>
+              <a:ext uri="{28A0092B-C50C-407E-A947-70E740481C1C}">
+                <a14:useLocalDpi xmlns:a14="http://schemas.microsoft.com/office/drawing/2010/main" val="0"/>
+              </a:ext>
+            </a:extLst>
+          </a:blip>
+          <a:srcRect/>
+          <a:stretch>
+            <a:fillRect/>
+          </a:stretch>
+        </p:blipFill>
+        <p:spPr bwMode="auto">
+          <a:xfrm>
+            <a:off x="5120697" y="216421"/>
+            <a:ext cx="1950606" cy="6641579"/>
+          </a:xfrm>
+          <a:prstGeom prst="rect">
+            <a:avLst/>
+          </a:prstGeom>
+          <a:noFill/>
+          <a:extLst>
+            <a:ext uri="{909E8E84-426E-40DD-AFC4-6F175D3DCCD1}">
+              <a14:hiddenFill xmlns:a14="http://schemas.microsoft.com/office/drawing/2010/main">
+                <a:solidFill>
+                  <a:srgbClr val="FFFFFF"/>
+                </a:solidFill>
+              </a14:hiddenFill>
+            </a:ext>
+          </a:extLst>
+        </p:spPr>
+      </p:pic>
+      <p:pic>
+        <p:nvPicPr>
+          <p:cNvPr id="1028" name="Picture 4">
+            <a:extLst>
+              <a:ext uri="{FF2B5EF4-FFF2-40B4-BE49-F238E27FC236}">
+                <a16:creationId xmlns:a16="http://schemas.microsoft.com/office/drawing/2014/main" id="{393489B2-9ACC-DF33-CB06-C019B2CCF1C9}"/>
+              </a:ext>
+            </a:extLst>
+          </p:cNvPr>
+          <p:cNvPicPr>
+            <a:picLocks noChangeAspect="1" noChangeArrowheads="1"/>
+          </p:cNvPicPr>
+          <p:nvPr/>
+        </p:nvPicPr>
+        <p:blipFill>
+          <a:blip r:embed="rId4">
+            <a:extLst>
+              <a:ext uri="{28A0092B-C50C-407E-A947-70E740481C1C}">
+                <a14:useLocalDpi xmlns:a14="http://schemas.microsoft.com/office/drawing/2010/main" val="0"/>
+              </a:ext>
+            </a:extLst>
+          </a:blip>
+          <a:srcRect/>
+          <a:stretch>
+            <a:fillRect/>
+          </a:stretch>
+        </p:blipFill>
+        <p:spPr bwMode="auto">
+          <a:xfrm>
+            <a:off x="7004763" y="1159886"/>
+            <a:ext cx="2190750" cy="4371975"/>
+          </a:xfrm>
+          <a:prstGeom prst="rect">
+            <a:avLst/>
+          </a:prstGeom>
+          <a:noFill/>
+          <a:extLst>
+            <a:ext uri="{909E8E84-426E-40DD-AFC4-6F175D3DCCD1}">
+              <a14:hiddenFill xmlns:a14="http://schemas.microsoft.com/office/drawing/2010/main">
+                <a:solidFill>
+                  <a:srgbClr val="FFFFFF"/>
+                </a:solidFill>
+              </a14:hiddenFill>
+            </a:ext>
+          </a:extLst>
+        </p:spPr>
+      </p:pic>
+      <p:sp>
+        <p:nvSpPr>
+          <p:cNvPr id="2" name="Cím 1">
+            <a:extLst>
+              <a:ext uri="{FF2B5EF4-FFF2-40B4-BE49-F238E27FC236}">
+                <a16:creationId xmlns:a16="http://schemas.microsoft.com/office/drawing/2014/main" id="{911D6D5C-E8A4-8DE8-C78F-B1FD3074D50B}"/>
+              </a:ext>
+            </a:extLst>
+          </p:cNvPr>
+          <p:cNvSpPr>
+            <a:spLocks noGrp="1"/>
+          </p:cNvSpPr>
+          <p:nvPr>
+            <p:ph type="title"/>
+          </p:nvPr>
+        </p:nvSpPr>
+        <p:spPr/>
+        <p:txBody>
+          <a:bodyPr/>
+          <a:lstStyle/>
+          <a:p>
+            <a:r>
+              <a:rPr lang="en-US" dirty="0"/>
+              <a:t>Appointment booking</a:t>
+            </a:r>
+            <a:endParaRPr lang="hu-HU" dirty="0"/>
+          </a:p>
+        </p:txBody>
+      </p:sp>
+    </p:spTree>
+    <p:extLst>
+      <p:ext uri="{BB962C8B-B14F-4D97-AF65-F5344CB8AC3E}">
+        <p14:creationId xmlns:p14="http://schemas.microsoft.com/office/powerpoint/2010/main" val="1784760219"/>
+      </p:ext>
+    </p:extLst>
+  </p:cSld>
+  <p:clrMapOvr>
+    <a:masterClrMapping/>
+  </p:clrMapOvr>
+  <p:timing>
+    <p:tnLst>
+      <p:par>
+        <p:cTn id="1" dur="indefinite" restart="never" nodeType="tmRoot">
+          <p:childTnLst>
+            <p:seq concurrent="1" nextAc="seek">
+              <p:cTn id="2" dur="indefinite" nodeType="mainSeq">
+                <p:childTnLst>
+                  <p:par>
+                    <p:cTn id="3" fill="hold">
+                      <p:stCondLst>
+                        <p:cond delay="indefinite"/>
+                      </p:stCondLst>
+                      <p:childTnLst>
+                        <p:par>
+                          <p:cTn id="4" fill="hold">
+                            <p:stCondLst>
+                              <p:cond delay="0"/>
+                            </p:stCondLst>
+                            <p:childTnLst>
+                              <p:par>
+                                <p:cTn id="5" presetID="1" presetClass="entr" presetSubtype="0" fill="hold" nodeType="clickEffect">
+                                  <p:stCondLst>
+                                    <p:cond delay="0"/>
+                                  </p:stCondLst>
+                                  <p:childTnLst>
+                                    <p:set>
+                                      <p:cBhvr>
+                                        <p:cTn id="6" dur="1" fill="hold">
+                                          <p:stCondLst>
+                                            <p:cond delay="0"/>
+                                          </p:stCondLst>
+                                        </p:cTn>
+                                        <p:tgtEl>
+                                          <p:spTgt spid="1026"/>
+                                        </p:tgtEl>
+                                        <p:attrNameLst>
+                                          <p:attrName>style.visibility</p:attrName>
+                                        </p:attrNameLst>
+                                      </p:cBhvr>
+                                      <p:to>
+                                        <p:strVal val="visible"/>
+                                      </p:to>
+                                    </p:set>
+                                  </p:childTnLst>
+                                </p:cTn>
+                              </p:par>
+                            </p:childTnLst>
+                          </p:cTn>
+                        </p:par>
+                      </p:childTnLst>
+                    </p:cTn>
+                  </p:par>
+                  <p:par>
+                    <p:cTn id="7" fill="hold">
+                      <p:stCondLst>
+                        <p:cond delay="indefinite"/>
+                      </p:stCondLst>
+                      <p:childTnLst>
+                        <p:par>
+                          <p:cTn id="8" fill="hold">
+                            <p:stCondLst>
+                              <p:cond delay="0"/>
+                            </p:stCondLst>
+                            <p:childTnLst>
+                              <p:par>
+                                <p:cTn id="9" presetID="1" presetClass="entr" presetSubtype="0" fill="hold" nodeType="clickEffect">
+                                  <p:stCondLst>
+                                    <p:cond delay="0"/>
+                                  </p:stCondLst>
+                                  <p:childTnLst>
+                                    <p:set>
+                                      <p:cBhvr>
+                                        <p:cTn id="10" dur="1" fill="hold">
+                                          <p:stCondLst>
+                                            <p:cond delay="0"/>
+                                          </p:stCondLst>
+                                        </p:cTn>
+                                        <p:tgtEl>
+                                          <p:spTgt spid="1028"/>
+                                        </p:tgtEl>
+                                        <p:attrNameLst>
+                                          <p:attrName>style.visibility</p:attrName>
+                                        </p:attrNameLst>
+                                      </p:cBhvr>
+                                      <p:to>
+                                        <p:strVal val="visible"/>
+                                      </p:to>
+                                    </p:set>
+                                  </p:childTnLst>
+                                </p:cTn>
+                              </p:par>
+                            </p:childTnLst>
+                          </p:cTn>
+                        </p:par>
+                      </p:childTnLst>
+                    </p:cTn>
+                  </p:par>
+                </p:childTnLst>
+              </p:cTn>
+              <p:prevCondLst>
+                <p:cond evt="onPrev" delay="0">
+                  <p:tgtEl>
+                    <p:sldTgt/>
+                  </p:tgtEl>
+                </p:cond>
+              </p:prevCondLst>
+              <p:nextCondLst>
+                <p:cond evt="onNext" delay="0">
+                  <p:tgtEl>
+                    <p:sldTgt/>
+                  </p:tgtEl>
+                </p:cond>
+              </p:nextCondLst>
+            </p:seq>
+          </p:childTnLst>
+        </p:cTn>
+      </p:par>
+    </p:tnLst>
+  </p:timing>
+</p:sld>
+</file>
+
 <file path=ppt/slides/slide5.xml><?xml version="1.0" encoding="utf-8"?>
 <p:sld xmlns:a="http://schemas.openxmlformats.org/drawingml/2006/main" xmlns:r="http://schemas.openxmlformats.org/officeDocument/2006/relationships" xmlns:p="http://schemas.openxmlformats.org/presentationml/2006/main">
   <p:cSld>
@@ -11272,6 +11702,36 @@
           <a:xfrm>
             <a:off x="677334" y="2041195"/>
             <a:ext cx="2240664" cy="3678523"/>
+          </a:xfrm>
+          <a:prstGeom prst="rect">
+            <a:avLst/>
+          </a:prstGeom>
+        </p:spPr>
+      </p:pic>
+      <p:pic>
+        <p:nvPicPr>
+          <p:cNvPr id="5" name="Kép 4">
+            <a:extLst>
+              <a:ext uri="{FF2B5EF4-FFF2-40B4-BE49-F238E27FC236}">
+                <a16:creationId xmlns:a16="http://schemas.microsoft.com/office/drawing/2014/main" id="{EDC8641D-20D1-F7CB-E9AF-5CCBBBC17653}"/>
+              </a:ext>
+            </a:extLst>
+          </p:cNvPr>
+          <p:cNvPicPr>
+            <a:picLocks noChangeAspect="1"/>
+          </p:cNvPicPr>
+          <p:nvPr/>
+        </p:nvPicPr>
+        <p:blipFill>
+          <a:blip r:embed="rId4"/>
+          <a:stretch>
+            <a:fillRect/>
+          </a:stretch>
+        </p:blipFill>
+        <p:spPr>
+          <a:xfrm>
+            <a:off x="3867005" y="1565564"/>
+            <a:ext cx="7869497" cy="5019819"/>
           </a:xfrm>
           <a:prstGeom prst="rect">
             <a:avLst/>
@@ -11551,26 +12011,1322 @@
       </p:sp>
       <p:sp>
         <p:nvSpPr>
-          <p:cNvPr id="3" name="Tartalom helye 2">
+          <p:cNvPr id="4" name="Téglalap: lekerekített 3">
             <a:extLst>
               <a:ext uri="{FF2B5EF4-FFF2-40B4-BE49-F238E27FC236}">
-                <a16:creationId xmlns:a16="http://schemas.microsoft.com/office/drawing/2014/main" id="{2A1F77CA-54C3-BF2B-C6C5-46CE57B6B9EE}"/>
+                <a16:creationId xmlns:a16="http://schemas.microsoft.com/office/drawing/2014/main" id="{6E2C3739-43A9-4E0D-326E-EDCEDEF5C340}"/>
               </a:ext>
             </a:extLst>
           </p:cNvPr>
-          <p:cNvSpPr>
-            <a:spLocks noGrp="1"/>
-          </p:cNvSpPr>
-          <p:nvPr>
-            <p:ph idx="1"/>
-          </p:nvPr>
-        </p:nvSpPr>
-        <p:spPr/>
-        <p:txBody>
-          <a:bodyPr/>
+          <p:cNvSpPr/>
+          <p:nvPr/>
+        </p:nvSpPr>
+        <p:spPr>
+          <a:xfrm>
+            <a:off x="1430534" y="1543204"/>
+            <a:ext cx="2844800" cy="3953164"/>
+          </a:xfrm>
+          <a:prstGeom prst="roundRect">
+            <a:avLst/>
+          </a:prstGeom>
+          <a:ln w="38100"/>
+        </p:spPr>
+        <p:style>
+          <a:lnRef idx="2">
+            <a:schemeClr val="accent1"/>
+          </a:lnRef>
+          <a:fillRef idx="1">
+            <a:schemeClr val="lt1"/>
+          </a:fillRef>
+          <a:effectRef idx="0">
+            <a:schemeClr val="accent1"/>
+          </a:effectRef>
+          <a:fontRef idx="minor">
+            <a:schemeClr val="dk1"/>
+          </a:fontRef>
+        </p:style>
+        <p:txBody>
+          <a:bodyPr rtlCol="0" anchor="t"/>
           <a:lstStyle/>
           <a:p>
+            <a:pPr algn="ctr"/>
+            <a:r>
+              <a:rPr lang="en-US" dirty="0"/>
+              <a:t>REST API</a:t>
+            </a:r>
+            <a:endParaRPr lang="hu-HU" dirty="0"/>
+          </a:p>
+        </p:txBody>
+      </p:sp>
+      <p:sp>
+        <p:nvSpPr>
+          <p:cNvPr id="5" name="Téglalap: lekerekített 4">
+            <a:extLst>
+              <a:ext uri="{FF2B5EF4-FFF2-40B4-BE49-F238E27FC236}">
+                <a16:creationId xmlns:a16="http://schemas.microsoft.com/office/drawing/2014/main" id="{7E65A565-5E18-772B-C283-4B2816BB0B04}"/>
+              </a:ext>
+            </a:extLst>
+          </p:cNvPr>
+          <p:cNvSpPr/>
+          <p:nvPr/>
+        </p:nvSpPr>
+        <p:spPr>
+          <a:xfrm>
+            <a:off x="1703147" y="2199992"/>
+            <a:ext cx="2299581" cy="525101"/>
+          </a:xfrm>
+          <a:prstGeom prst="roundRect">
+            <a:avLst/>
+          </a:prstGeom>
+        </p:spPr>
+        <p:style>
+          <a:lnRef idx="0">
+            <a:schemeClr val="accent1"/>
+          </a:lnRef>
+          <a:fillRef idx="3">
+            <a:schemeClr val="accent1"/>
+          </a:fillRef>
+          <a:effectRef idx="3">
+            <a:schemeClr val="accent1"/>
+          </a:effectRef>
+          <a:fontRef idx="minor">
+            <a:schemeClr val="lt1"/>
+          </a:fontRef>
+        </p:style>
+        <p:txBody>
+          <a:bodyPr rtlCol="0" anchor="ctr"/>
+          <a:lstStyle/>
+          <a:p>
+            <a:pPr algn="ctr"/>
+            <a:r>
+              <a:rPr lang="en-US" sz="1600" dirty="0"/>
+              <a:t>Appointment controller</a:t>
+            </a:r>
+            <a:endParaRPr lang="hu-HU" sz="1600" dirty="0"/>
+          </a:p>
+        </p:txBody>
+      </p:sp>
+      <p:sp>
+        <p:nvSpPr>
+          <p:cNvPr id="6" name="Téglalap: lekerekített 5">
+            <a:extLst>
+              <a:ext uri="{FF2B5EF4-FFF2-40B4-BE49-F238E27FC236}">
+                <a16:creationId xmlns:a16="http://schemas.microsoft.com/office/drawing/2014/main" id="{ADF74238-3C66-E840-F72A-D2EFC360EE2E}"/>
+              </a:ext>
+            </a:extLst>
+          </p:cNvPr>
+          <p:cNvSpPr/>
+          <p:nvPr/>
+        </p:nvSpPr>
+        <p:spPr>
+          <a:xfrm>
+            <a:off x="1703144" y="3808909"/>
+            <a:ext cx="2299581" cy="525101"/>
+          </a:xfrm>
+          <a:prstGeom prst="roundRect">
+            <a:avLst/>
+          </a:prstGeom>
+        </p:spPr>
+        <p:style>
+          <a:lnRef idx="0">
+            <a:schemeClr val="accent1"/>
+          </a:lnRef>
+          <a:fillRef idx="3">
+            <a:schemeClr val="accent1"/>
+          </a:fillRef>
+          <a:effectRef idx="3">
+            <a:schemeClr val="accent1"/>
+          </a:effectRef>
+          <a:fontRef idx="minor">
+            <a:schemeClr val="lt1"/>
+          </a:fontRef>
+        </p:style>
+        <p:txBody>
+          <a:bodyPr rtlCol="0" anchor="ctr"/>
+          <a:lstStyle/>
+          <a:p>
+            <a:pPr algn="ctr"/>
+            <a:r>
+              <a:rPr lang="en-US" sz="1600" dirty="0"/>
+              <a:t>Provider controller</a:t>
+            </a:r>
+            <a:endParaRPr lang="hu-HU" sz="1600" dirty="0"/>
+          </a:p>
+        </p:txBody>
+      </p:sp>
+      <p:sp>
+        <p:nvSpPr>
+          <p:cNvPr id="7" name="Téglalap: lekerekített 6">
+            <a:extLst>
+              <a:ext uri="{FF2B5EF4-FFF2-40B4-BE49-F238E27FC236}">
+                <a16:creationId xmlns:a16="http://schemas.microsoft.com/office/drawing/2014/main" id="{8D0C3475-3FAD-AED7-3958-A3E93DDEA631}"/>
+              </a:ext>
+            </a:extLst>
+          </p:cNvPr>
+          <p:cNvSpPr/>
+          <p:nvPr/>
+        </p:nvSpPr>
+        <p:spPr>
+          <a:xfrm>
+            <a:off x="1727053" y="3048623"/>
+            <a:ext cx="2299581" cy="525101"/>
+          </a:xfrm>
+          <a:prstGeom prst="roundRect">
+            <a:avLst/>
+          </a:prstGeom>
+        </p:spPr>
+        <p:style>
+          <a:lnRef idx="0">
+            <a:schemeClr val="accent1"/>
+          </a:lnRef>
+          <a:fillRef idx="3">
+            <a:schemeClr val="accent1"/>
+          </a:fillRef>
+          <a:effectRef idx="3">
+            <a:schemeClr val="accent1"/>
+          </a:effectRef>
+          <a:fontRef idx="minor">
+            <a:schemeClr val="lt1"/>
+          </a:fontRef>
+        </p:style>
+        <p:txBody>
+          <a:bodyPr rtlCol="0" anchor="ctr"/>
+          <a:lstStyle/>
+          <a:p>
+            <a:pPr algn="ctr"/>
+            <a:r>
+              <a:rPr lang="en-US" sz="1600" dirty="0"/>
+              <a:t>User controller</a:t>
+            </a:r>
+            <a:endParaRPr lang="hu-HU" sz="1600" dirty="0"/>
+          </a:p>
+        </p:txBody>
+      </p:sp>
+      <p:sp>
+        <p:nvSpPr>
+          <p:cNvPr id="8" name="Téglalap: lekerekített 7">
+            <a:extLst>
+              <a:ext uri="{FF2B5EF4-FFF2-40B4-BE49-F238E27FC236}">
+                <a16:creationId xmlns:a16="http://schemas.microsoft.com/office/drawing/2014/main" id="{C7E4847F-E9A3-62D7-2715-2F1C326A94A4}"/>
+              </a:ext>
+            </a:extLst>
+          </p:cNvPr>
+          <p:cNvSpPr/>
+          <p:nvPr/>
+        </p:nvSpPr>
+        <p:spPr>
+          <a:xfrm>
+            <a:off x="1703144" y="4584071"/>
+            <a:ext cx="2299581" cy="525101"/>
+          </a:xfrm>
+          <a:prstGeom prst="roundRect">
+            <a:avLst/>
+          </a:prstGeom>
+        </p:spPr>
+        <p:style>
+          <a:lnRef idx="0">
+            <a:schemeClr val="accent1"/>
+          </a:lnRef>
+          <a:fillRef idx="3">
+            <a:schemeClr val="accent1"/>
+          </a:fillRef>
+          <a:effectRef idx="3">
+            <a:schemeClr val="accent1"/>
+          </a:effectRef>
+          <a:fontRef idx="minor">
+            <a:schemeClr val="lt1"/>
+          </a:fontRef>
+        </p:style>
+        <p:txBody>
+          <a:bodyPr rtlCol="0" anchor="ctr"/>
+          <a:lstStyle/>
+          <a:p>
+            <a:pPr algn="ctr"/>
+            <a:r>
+              <a:rPr lang="en-US" sz="1600" dirty="0"/>
+              <a:t>Service controller</a:t>
+            </a:r>
+            <a:endParaRPr lang="hu-HU" sz="1600" dirty="0"/>
+          </a:p>
+        </p:txBody>
+      </p:sp>
+      <p:cxnSp>
+        <p:nvCxnSpPr>
+          <p:cNvPr id="10" name="Egyenes összekötő 9">
+            <a:extLst>
+              <a:ext uri="{FF2B5EF4-FFF2-40B4-BE49-F238E27FC236}">
+                <a16:creationId xmlns:a16="http://schemas.microsoft.com/office/drawing/2014/main" id="{720641D6-5266-CB77-D175-444F86C7CFF9}"/>
+              </a:ext>
+            </a:extLst>
+          </p:cNvPr>
+          <p:cNvCxnSpPr>
+            <a:cxnSpLocks/>
+          </p:cNvCxnSpPr>
+          <p:nvPr/>
+        </p:nvCxnSpPr>
+        <p:spPr>
+          <a:xfrm flipH="1">
+            <a:off x="624689" y="3574629"/>
+            <a:ext cx="805845" cy="0"/>
+          </a:xfrm>
+          <a:prstGeom prst="line">
+            <a:avLst/>
+          </a:prstGeom>
+          <a:ln w="38100"/>
+        </p:spPr>
+        <p:style>
+          <a:lnRef idx="3">
+            <a:schemeClr val="accent1"/>
+          </a:lnRef>
+          <a:fillRef idx="0">
+            <a:schemeClr val="accent1"/>
+          </a:fillRef>
+          <a:effectRef idx="2">
+            <a:schemeClr val="accent1"/>
+          </a:effectRef>
+          <a:fontRef idx="minor">
+            <a:schemeClr val="tx1"/>
+          </a:fontRef>
+        </p:style>
+      </p:cxnSp>
+      <p:sp>
+        <p:nvSpPr>
+          <p:cNvPr id="11" name="Ellipszis 10">
+            <a:extLst>
+              <a:ext uri="{FF2B5EF4-FFF2-40B4-BE49-F238E27FC236}">
+                <a16:creationId xmlns:a16="http://schemas.microsoft.com/office/drawing/2014/main" id="{B3773633-9B8C-0B63-7121-52AEC9466365}"/>
+              </a:ext>
+            </a:extLst>
+          </p:cNvPr>
+          <p:cNvSpPr/>
+          <p:nvPr/>
+        </p:nvSpPr>
+        <p:spPr>
+          <a:xfrm>
+            <a:off x="153909" y="3287917"/>
+            <a:ext cx="470780" cy="463738"/>
+          </a:xfrm>
+          <a:prstGeom prst="ellipse">
+            <a:avLst/>
+          </a:prstGeom>
+        </p:spPr>
+        <p:style>
+          <a:lnRef idx="0">
+            <a:schemeClr val="accent1"/>
+          </a:lnRef>
+          <a:fillRef idx="3">
+            <a:schemeClr val="accent1"/>
+          </a:fillRef>
+          <a:effectRef idx="3">
+            <a:schemeClr val="accent1"/>
+          </a:effectRef>
+          <a:fontRef idx="minor">
+            <a:schemeClr val="lt1"/>
+          </a:fontRef>
+        </p:style>
+        <p:txBody>
+          <a:bodyPr rtlCol="0" anchor="ctr"/>
+          <a:lstStyle/>
+          <a:p>
+            <a:pPr algn="ctr"/>
             <a:endParaRPr lang="hu-HU"/>
+          </a:p>
+        </p:txBody>
+      </p:sp>
+      <p:sp>
+        <p:nvSpPr>
+          <p:cNvPr id="12" name="Téglalap: lekerekített 11">
+            <a:extLst>
+              <a:ext uri="{FF2B5EF4-FFF2-40B4-BE49-F238E27FC236}">
+                <a16:creationId xmlns:a16="http://schemas.microsoft.com/office/drawing/2014/main" id="{BE97D0D8-707D-8F8B-D8AE-5D3AA8021ABF}"/>
+              </a:ext>
+            </a:extLst>
+          </p:cNvPr>
+          <p:cNvSpPr/>
+          <p:nvPr/>
+        </p:nvSpPr>
+        <p:spPr>
+          <a:xfrm>
+            <a:off x="4547944" y="1532687"/>
+            <a:ext cx="2844800" cy="3953164"/>
+          </a:xfrm>
+          <a:prstGeom prst="roundRect">
+            <a:avLst/>
+          </a:prstGeom>
+          <a:ln w="38100">
+            <a:solidFill>
+              <a:schemeClr val="accent2"/>
+            </a:solidFill>
+          </a:ln>
+        </p:spPr>
+        <p:style>
+          <a:lnRef idx="2">
+            <a:schemeClr val="accent1"/>
+          </a:lnRef>
+          <a:fillRef idx="1">
+            <a:schemeClr val="lt1"/>
+          </a:fillRef>
+          <a:effectRef idx="0">
+            <a:schemeClr val="accent1"/>
+          </a:effectRef>
+          <a:fontRef idx="minor">
+            <a:schemeClr val="dk1"/>
+          </a:fontRef>
+        </p:style>
+        <p:txBody>
+          <a:bodyPr rtlCol="0" anchor="t"/>
+          <a:lstStyle/>
+          <a:p>
+            <a:pPr algn="ctr"/>
+            <a:r>
+              <a:rPr lang="en-US" dirty="0"/>
+              <a:t>Business logic</a:t>
+            </a:r>
+            <a:endParaRPr lang="hu-HU" dirty="0"/>
+          </a:p>
+        </p:txBody>
+      </p:sp>
+      <p:sp>
+        <p:nvSpPr>
+          <p:cNvPr id="14" name="Téglalap: lekerekített 13">
+            <a:extLst>
+              <a:ext uri="{FF2B5EF4-FFF2-40B4-BE49-F238E27FC236}">
+                <a16:creationId xmlns:a16="http://schemas.microsoft.com/office/drawing/2014/main" id="{B59E410A-52BA-A94D-C0D3-646F4347C513}"/>
+              </a:ext>
+            </a:extLst>
+          </p:cNvPr>
+          <p:cNvSpPr/>
+          <p:nvPr/>
+        </p:nvSpPr>
+        <p:spPr>
+          <a:xfrm>
+            <a:off x="4820550" y="3816327"/>
+            <a:ext cx="2299581" cy="525101"/>
+          </a:xfrm>
+          <a:prstGeom prst="roundRect">
+            <a:avLst/>
+          </a:prstGeom>
+        </p:spPr>
+        <p:style>
+          <a:lnRef idx="0">
+            <a:schemeClr val="accent2"/>
+          </a:lnRef>
+          <a:fillRef idx="3">
+            <a:schemeClr val="accent2"/>
+          </a:fillRef>
+          <a:effectRef idx="3">
+            <a:schemeClr val="accent2"/>
+          </a:effectRef>
+          <a:fontRef idx="minor">
+            <a:schemeClr val="lt1"/>
+          </a:fontRef>
+        </p:style>
+        <p:txBody>
+          <a:bodyPr rtlCol="0" anchor="ctr"/>
+          <a:lstStyle/>
+          <a:p>
+            <a:pPr algn="ctr"/>
+            <a:r>
+              <a:rPr lang="en-US" sz="1600" dirty="0"/>
+              <a:t>Provider service</a:t>
+            </a:r>
+            <a:endParaRPr lang="hu-HU" sz="1600" dirty="0"/>
+          </a:p>
+        </p:txBody>
+      </p:sp>
+      <p:sp>
+        <p:nvSpPr>
+          <p:cNvPr id="15" name="Téglalap: lekerekített 14">
+            <a:extLst>
+              <a:ext uri="{FF2B5EF4-FFF2-40B4-BE49-F238E27FC236}">
+                <a16:creationId xmlns:a16="http://schemas.microsoft.com/office/drawing/2014/main" id="{6CE83BC9-0B04-FD8C-5D8D-8EDD637441A4}"/>
+              </a:ext>
+            </a:extLst>
+          </p:cNvPr>
+          <p:cNvSpPr/>
+          <p:nvPr/>
+        </p:nvSpPr>
+        <p:spPr>
+          <a:xfrm>
+            <a:off x="4820553" y="3046360"/>
+            <a:ext cx="2299581" cy="525101"/>
+          </a:xfrm>
+          <a:prstGeom prst="roundRect">
+            <a:avLst/>
+          </a:prstGeom>
+        </p:spPr>
+        <p:style>
+          <a:lnRef idx="0">
+            <a:schemeClr val="accent2"/>
+          </a:lnRef>
+          <a:fillRef idx="3">
+            <a:schemeClr val="accent2"/>
+          </a:fillRef>
+          <a:effectRef idx="3">
+            <a:schemeClr val="accent2"/>
+          </a:effectRef>
+          <a:fontRef idx="minor">
+            <a:schemeClr val="lt1"/>
+          </a:fontRef>
+        </p:style>
+        <p:txBody>
+          <a:bodyPr rtlCol="0" anchor="ctr"/>
+          <a:lstStyle/>
+          <a:p>
+            <a:pPr algn="ctr"/>
+            <a:r>
+              <a:rPr lang="en-US" sz="1600" dirty="0"/>
+              <a:t>User service</a:t>
+            </a:r>
+            <a:endParaRPr lang="hu-HU" sz="1600" dirty="0"/>
+          </a:p>
+        </p:txBody>
+      </p:sp>
+      <p:sp>
+        <p:nvSpPr>
+          <p:cNvPr id="16" name="Téglalap: lekerekített 15">
+            <a:extLst>
+              <a:ext uri="{FF2B5EF4-FFF2-40B4-BE49-F238E27FC236}">
+                <a16:creationId xmlns:a16="http://schemas.microsoft.com/office/drawing/2014/main" id="{813EE114-9048-7544-01F9-29C3F013D0A9}"/>
+              </a:ext>
+            </a:extLst>
+          </p:cNvPr>
+          <p:cNvSpPr/>
+          <p:nvPr/>
+        </p:nvSpPr>
+        <p:spPr>
+          <a:xfrm>
+            <a:off x="4796644" y="4572126"/>
+            <a:ext cx="2299581" cy="525101"/>
+          </a:xfrm>
+          <a:prstGeom prst="roundRect">
+            <a:avLst/>
+          </a:prstGeom>
+        </p:spPr>
+        <p:style>
+          <a:lnRef idx="0">
+            <a:schemeClr val="accent2"/>
+          </a:lnRef>
+          <a:fillRef idx="3">
+            <a:schemeClr val="accent2"/>
+          </a:fillRef>
+          <a:effectRef idx="3">
+            <a:schemeClr val="accent2"/>
+          </a:effectRef>
+          <a:fontRef idx="minor">
+            <a:schemeClr val="lt1"/>
+          </a:fontRef>
+        </p:style>
+        <p:txBody>
+          <a:bodyPr rtlCol="0" anchor="ctr"/>
+          <a:lstStyle/>
+          <a:p>
+            <a:pPr algn="ctr"/>
+            <a:r>
+              <a:rPr lang="en-US" sz="1600" dirty="0"/>
+              <a:t>Service </a:t>
+            </a:r>
+            <a:r>
+              <a:rPr lang="en-US" sz="1600" dirty="0" err="1"/>
+              <a:t>service</a:t>
+            </a:r>
+            <a:endParaRPr lang="hu-HU" sz="1600" dirty="0"/>
+          </a:p>
+        </p:txBody>
+      </p:sp>
+      <p:sp>
+        <p:nvSpPr>
+          <p:cNvPr id="17" name="Téglalap: lekerekített 16">
+            <a:extLst>
+              <a:ext uri="{FF2B5EF4-FFF2-40B4-BE49-F238E27FC236}">
+                <a16:creationId xmlns:a16="http://schemas.microsoft.com/office/drawing/2014/main" id="{5FCD85D9-2A70-94DC-4E78-066E281C21F3}"/>
+              </a:ext>
+            </a:extLst>
+          </p:cNvPr>
+          <p:cNvSpPr/>
+          <p:nvPr/>
+        </p:nvSpPr>
+        <p:spPr>
+          <a:xfrm>
+            <a:off x="7665352" y="1543204"/>
+            <a:ext cx="2844800" cy="3953164"/>
+          </a:xfrm>
+          <a:prstGeom prst="roundRect">
+            <a:avLst/>
+          </a:prstGeom>
+          <a:noFill/>
+          <a:ln w="38100">
+            <a:solidFill>
+              <a:schemeClr val="accent6"/>
+            </a:solidFill>
+          </a:ln>
+        </p:spPr>
+        <p:style>
+          <a:lnRef idx="2">
+            <a:schemeClr val="accent1"/>
+          </a:lnRef>
+          <a:fillRef idx="1">
+            <a:schemeClr val="lt1"/>
+          </a:fillRef>
+          <a:effectRef idx="0">
+            <a:schemeClr val="accent1"/>
+          </a:effectRef>
+          <a:fontRef idx="minor">
+            <a:schemeClr val="dk1"/>
+          </a:fontRef>
+        </p:style>
+        <p:txBody>
+          <a:bodyPr rtlCol="0" anchor="t"/>
+          <a:lstStyle/>
+          <a:p>
+            <a:pPr algn="ctr"/>
+            <a:r>
+              <a:rPr lang="en-US" dirty="0"/>
+              <a:t>Data access layer</a:t>
+            </a:r>
+            <a:endParaRPr lang="hu-HU" dirty="0"/>
+          </a:p>
+        </p:txBody>
+      </p:sp>
+      <p:sp>
+        <p:nvSpPr>
+          <p:cNvPr id="18" name="Téglalap: lekerekített 17">
+            <a:extLst>
+              <a:ext uri="{FF2B5EF4-FFF2-40B4-BE49-F238E27FC236}">
+                <a16:creationId xmlns:a16="http://schemas.microsoft.com/office/drawing/2014/main" id="{CF3A4879-FCA8-08A9-5580-7C5B1D1A1434}"/>
+              </a:ext>
+            </a:extLst>
+          </p:cNvPr>
+          <p:cNvSpPr/>
+          <p:nvPr/>
+        </p:nvSpPr>
+        <p:spPr>
+          <a:xfrm>
+            <a:off x="7937961" y="2227609"/>
+            <a:ext cx="2299581" cy="525101"/>
+          </a:xfrm>
+          <a:prstGeom prst="roundRect">
+            <a:avLst/>
+          </a:prstGeom>
+        </p:spPr>
+        <p:style>
+          <a:lnRef idx="0">
+            <a:schemeClr val="accent6"/>
+          </a:lnRef>
+          <a:fillRef idx="3">
+            <a:schemeClr val="accent6"/>
+          </a:fillRef>
+          <a:effectRef idx="3">
+            <a:schemeClr val="accent6"/>
+          </a:effectRef>
+          <a:fontRef idx="minor">
+            <a:schemeClr val="lt1"/>
+          </a:fontRef>
+        </p:style>
+        <p:txBody>
+          <a:bodyPr rtlCol="0" anchor="ctr"/>
+          <a:lstStyle/>
+          <a:p>
+            <a:pPr algn="ctr"/>
+            <a:r>
+              <a:rPr lang="en-US" sz="1600" dirty="0"/>
+              <a:t>Appointment repository</a:t>
+            </a:r>
+            <a:endParaRPr lang="hu-HU" sz="1600" dirty="0"/>
+          </a:p>
+        </p:txBody>
+      </p:sp>
+      <p:sp>
+        <p:nvSpPr>
+          <p:cNvPr id="19" name="Téglalap: lekerekített 18">
+            <a:extLst>
+              <a:ext uri="{FF2B5EF4-FFF2-40B4-BE49-F238E27FC236}">
+                <a16:creationId xmlns:a16="http://schemas.microsoft.com/office/drawing/2014/main" id="{0FA8A239-D081-B520-50B7-8E7122E37737}"/>
+              </a:ext>
+            </a:extLst>
+          </p:cNvPr>
+          <p:cNvSpPr/>
+          <p:nvPr/>
+        </p:nvSpPr>
+        <p:spPr>
+          <a:xfrm>
+            <a:off x="7937958" y="3826844"/>
+            <a:ext cx="2299581" cy="525101"/>
+          </a:xfrm>
+          <a:prstGeom prst="roundRect">
+            <a:avLst/>
+          </a:prstGeom>
+        </p:spPr>
+        <p:style>
+          <a:lnRef idx="0">
+            <a:schemeClr val="accent6"/>
+          </a:lnRef>
+          <a:fillRef idx="3">
+            <a:schemeClr val="accent6"/>
+          </a:fillRef>
+          <a:effectRef idx="3">
+            <a:schemeClr val="accent6"/>
+          </a:effectRef>
+          <a:fontRef idx="minor">
+            <a:schemeClr val="lt1"/>
+          </a:fontRef>
+        </p:style>
+        <p:txBody>
+          <a:bodyPr rtlCol="0" anchor="ctr"/>
+          <a:lstStyle/>
+          <a:p>
+            <a:pPr algn="ctr"/>
+            <a:r>
+              <a:rPr lang="en-US" sz="1600" dirty="0"/>
+              <a:t>Provider repository</a:t>
+            </a:r>
+            <a:endParaRPr lang="hu-HU" sz="1600" dirty="0"/>
+          </a:p>
+        </p:txBody>
+      </p:sp>
+      <p:sp>
+        <p:nvSpPr>
+          <p:cNvPr id="20" name="Téglalap: lekerekített 19">
+            <a:extLst>
+              <a:ext uri="{FF2B5EF4-FFF2-40B4-BE49-F238E27FC236}">
+                <a16:creationId xmlns:a16="http://schemas.microsoft.com/office/drawing/2014/main" id="{C77D76DD-86EC-3050-2248-3BEE503435AF}"/>
+              </a:ext>
+            </a:extLst>
+          </p:cNvPr>
+          <p:cNvSpPr/>
+          <p:nvPr/>
+        </p:nvSpPr>
+        <p:spPr>
+          <a:xfrm>
+            <a:off x="7937961" y="3056877"/>
+            <a:ext cx="2299581" cy="525101"/>
+          </a:xfrm>
+          <a:prstGeom prst="roundRect">
+            <a:avLst/>
+          </a:prstGeom>
+        </p:spPr>
+        <p:style>
+          <a:lnRef idx="0">
+            <a:schemeClr val="accent6"/>
+          </a:lnRef>
+          <a:fillRef idx="3">
+            <a:schemeClr val="accent6"/>
+          </a:fillRef>
+          <a:effectRef idx="3">
+            <a:schemeClr val="accent6"/>
+          </a:effectRef>
+          <a:fontRef idx="minor">
+            <a:schemeClr val="lt1"/>
+          </a:fontRef>
+        </p:style>
+        <p:txBody>
+          <a:bodyPr rtlCol="0" anchor="ctr"/>
+          <a:lstStyle/>
+          <a:p>
+            <a:pPr algn="ctr"/>
+            <a:r>
+              <a:rPr lang="en-US" sz="1600" dirty="0"/>
+              <a:t>User repository</a:t>
+            </a:r>
+            <a:endParaRPr lang="hu-HU" sz="1600" dirty="0"/>
+          </a:p>
+        </p:txBody>
+      </p:sp>
+      <p:sp>
+        <p:nvSpPr>
+          <p:cNvPr id="21" name="Téglalap: lekerekített 20">
+            <a:extLst>
+              <a:ext uri="{FF2B5EF4-FFF2-40B4-BE49-F238E27FC236}">
+                <a16:creationId xmlns:a16="http://schemas.microsoft.com/office/drawing/2014/main" id="{0BF9A6EA-37F0-DFDC-A009-2850BA02F85C}"/>
+              </a:ext>
+            </a:extLst>
+          </p:cNvPr>
+          <p:cNvSpPr/>
+          <p:nvPr/>
+        </p:nvSpPr>
+        <p:spPr>
+          <a:xfrm>
+            <a:off x="7914052" y="4582643"/>
+            <a:ext cx="2299581" cy="525101"/>
+          </a:xfrm>
+          <a:prstGeom prst="roundRect">
+            <a:avLst/>
+          </a:prstGeom>
+        </p:spPr>
+        <p:style>
+          <a:lnRef idx="0">
+            <a:schemeClr val="accent6"/>
+          </a:lnRef>
+          <a:fillRef idx="3">
+            <a:schemeClr val="accent6"/>
+          </a:fillRef>
+          <a:effectRef idx="3">
+            <a:schemeClr val="accent6"/>
+          </a:effectRef>
+          <a:fontRef idx="minor">
+            <a:schemeClr val="lt1"/>
+          </a:fontRef>
+        </p:style>
+        <p:txBody>
+          <a:bodyPr rtlCol="0" anchor="ctr"/>
+          <a:lstStyle/>
+          <a:p>
+            <a:pPr algn="ctr"/>
+            <a:r>
+              <a:rPr lang="en-US" sz="1600" dirty="0"/>
+              <a:t>Service repository</a:t>
+            </a:r>
+            <a:endParaRPr lang="hu-HU" sz="1600" dirty="0"/>
+          </a:p>
+        </p:txBody>
+      </p:sp>
+      <p:cxnSp>
+        <p:nvCxnSpPr>
+          <p:cNvPr id="23" name="Egyenes összekötő nyíllal 22">
+            <a:extLst>
+              <a:ext uri="{FF2B5EF4-FFF2-40B4-BE49-F238E27FC236}">
+                <a16:creationId xmlns:a16="http://schemas.microsoft.com/office/drawing/2014/main" id="{348DEDF3-9F00-CA65-E4A8-76C372B8B573}"/>
+              </a:ext>
+            </a:extLst>
+          </p:cNvPr>
+          <p:cNvCxnSpPr>
+            <a:stCxn id="5" idx="3"/>
+            <a:endCxn id="13" idx="1"/>
+          </p:cNvCxnSpPr>
+          <p:nvPr/>
+        </p:nvCxnSpPr>
+        <p:spPr>
+          <a:xfrm>
+            <a:off x="4002728" y="2462543"/>
+            <a:ext cx="817825" cy="17100"/>
+          </a:xfrm>
+          <a:prstGeom prst="straightConnector1">
+            <a:avLst/>
+          </a:prstGeom>
+          <a:ln w="38100">
+            <a:prstDash val="sysDash"/>
+            <a:tailEnd type="triangle"/>
+          </a:ln>
+        </p:spPr>
+        <p:style>
+          <a:lnRef idx="1">
+            <a:schemeClr val="accent1"/>
+          </a:lnRef>
+          <a:fillRef idx="0">
+            <a:schemeClr val="accent1"/>
+          </a:fillRef>
+          <a:effectRef idx="0">
+            <a:schemeClr val="accent1"/>
+          </a:effectRef>
+          <a:fontRef idx="minor">
+            <a:schemeClr val="tx1"/>
+          </a:fontRef>
+        </p:style>
+      </p:cxnSp>
+      <p:cxnSp>
+        <p:nvCxnSpPr>
+          <p:cNvPr id="24" name="Egyenes összekötő nyíllal 23">
+            <a:extLst>
+              <a:ext uri="{FF2B5EF4-FFF2-40B4-BE49-F238E27FC236}">
+                <a16:creationId xmlns:a16="http://schemas.microsoft.com/office/drawing/2014/main" id="{189F4219-9FE2-DEC7-E854-DB3A23A81BB7}"/>
+              </a:ext>
+            </a:extLst>
+          </p:cNvPr>
+          <p:cNvCxnSpPr/>
+          <p:nvPr/>
+        </p:nvCxnSpPr>
+        <p:spPr>
+          <a:xfrm>
+            <a:off x="3989223" y="4029213"/>
+            <a:ext cx="817825" cy="17100"/>
+          </a:xfrm>
+          <a:prstGeom prst="straightConnector1">
+            <a:avLst/>
+          </a:prstGeom>
+          <a:ln w="38100">
+            <a:prstDash val="sysDash"/>
+            <a:tailEnd type="triangle"/>
+          </a:ln>
+        </p:spPr>
+        <p:style>
+          <a:lnRef idx="1">
+            <a:schemeClr val="accent1"/>
+          </a:lnRef>
+          <a:fillRef idx="0">
+            <a:schemeClr val="accent1"/>
+          </a:fillRef>
+          <a:effectRef idx="0">
+            <a:schemeClr val="accent1"/>
+          </a:effectRef>
+          <a:fontRef idx="minor">
+            <a:schemeClr val="tx1"/>
+          </a:fontRef>
+        </p:style>
+      </p:cxnSp>
+      <p:cxnSp>
+        <p:nvCxnSpPr>
+          <p:cNvPr id="25" name="Egyenes összekötő nyíllal 24">
+            <a:extLst>
+              <a:ext uri="{FF2B5EF4-FFF2-40B4-BE49-F238E27FC236}">
+                <a16:creationId xmlns:a16="http://schemas.microsoft.com/office/drawing/2014/main" id="{69D5E8A8-45F4-76E1-1472-C25FB102C067}"/>
+              </a:ext>
+            </a:extLst>
+          </p:cNvPr>
+          <p:cNvCxnSpPr/>
+          <p:nvPr/>
+        </p:nvCxnSpPr>
+        <p:spPr>
+          <a:xfrm>
+            <a:off x="4038589" y="3321403"/>
+            <a:ext cx="817825" cy="17100"/>
+          </a:xfrm>
+          <a:prstGeom prst="straightConnector1">
+            <a:avLst/>
+          </a:prstGeom>
+          <a:ln w="38100">
+            <a:prstDash val="sysDash"/>
+            <a:tailEnd type="triangle"/>
+          </a:ln>
+        </p:spPr>
+        <p:style>
+          <a:lnRef idx="1">
+            <a:schemeClr val="accent1"/>
+          </a:lnRef>
+          <a:fillRef idx="0">
+            <a:schemeClr val="accent1"/>
+          </a:fillRef>
+          <a:effectRef idx="0">
+            <a:schemeClr val="accent1"/>
+          </a:effectRef>
+          <a:fontRef idx="minor">
+            <a:schemeClr val="tx1"/>
+          </a:fontRef>
+        </p:style>
+      </p:cxnSp>
+      <p:cxnSp>
+        <p:nvCxnSpPr>
+          <p:cNvPr id="26" name="Egyenes összekötő nyíllal 25">
+            <a:extLst>
+              <a:ext uri="{FF2B5EF4-FFF2-40B4-BE49-F238E27FC236}">
+                <a16:creationId xmlns:a16="http://schemas.microsoft.com/office/drawing/2014/main" id="{0EE951C3-6409-26FE-8952-45A635E0D73F}"/>
+              </a:ext>
+            </a:extLst>
+          </p:cNvPr>
+          <p:cNvCxnSpPr/>
+          <p:nvPr/>
+        </p:nvCxnSpPr>
+        <p:spPr>
+          <a:xfrm>
+            <a:off x="3978819" y="4805084"/>
+            <a:ext cx="817825" cy="17100"/>
+          </a:xfrm>
+          <a:prstGeom prst="straightConnector1">
+            <a:avLst/>
+          </a:prstGeom>
+          <a:ln w="38100">
+            <a:prstDash val="sysDash"/>
+            <a:tailEnd type="triangle"/>
+          </a:ln>
+        </p:spPr>
+        <p:style>
+          <a:lnRef idx="1">
+            <a:schemeClr val="accent1"/>
+          </a:lnRef>
+          <a:fillRef idx="0">
+            <a:schemeClr val="accent1"/>
+          </a:fillRef>
+          <a:effectRef idx="0">
+            <a:schemeClr val="accent1"/>
+          </a:effectRef>
+          <a:fontRef idx="minor">
+            <a:schemeClr val="tx1"/>
+          </a:fontRef>
+        </p:style>
+      </p:cxnSp>
+      <p:cxnSp>
+        <p:nvCxnSpPr>
+          <p:cNvPr id="27" name="Egyenes összekötő nyíllal 26">
+            <a:extLst>
+              <a:ext uri="{FF2B5EF4-FFF2-40B4-BE49-F238E27FC236}">
+                <a16:creationId xmlns:a16="http://schemas.microsoft.com/office/drawing/2014/main" id="{0762C640-5EA6-BD86-A932-64D6A0F303A3}"/>
+              </a:ext>
+            </a:extLst>
+          </p:cNvPr>
+          <p:cNvCxnSpPr/>
+          <p:nvPr/>
+        </p:nvCxnSpPr>
+        <p:spPr>
+          <a:xfrm>
+            <a:off x="7120135" y="2452443"/>
+            <a:ext cx="817825" cy="17100"/>
+          </a:xfrm>
+          <a:prstGeom prst="straightConnector1">
+            <a:avLst/>
+          </a:prstGeom>
+          <a:ln w="38100">
+            <a:prstDash val="sysDash"/>
+            <a:tailEnd type="triangle"/>
+          </a:ln>
+        </p:spPr>
+        <p:style>
+          <a:lnRef idx="1">
+            <a:schemeClr val="accent1"/>
+          </a:lnRef>
+          <a:fillRef idx="0">
+            <a:schemeClr val="accent1"/>
+          </a:fillRef>
+          <a:effectRef idx="0">
+            <a:schemeClr val="accent1"/>
+          </a:effectRef>
+          <a:fontRef idx="minor">
+            <a:schemeClr val="tx1"/>
+          </a:fontRef>
+        </p:style>
+      </p:cxnSp>
+      <p:cxnSp>
+        <p:nvCxnSpPr>
+          <p:cNvPr id="28" name="Egyenes összekötő nyíllal 27">
+            <a:extLst>
+              <a:ext uri="{FF2B5EF4-FFF2-40B4-BE49-F238E27FC236}">
+                <a16:creationId xmlns:a16="http://schemas.microsoft.com/office/drawing/2014/main" id="{C6451552-5DA6-796B-CED3-3A80E234EA78}"/>
+              </a:ext>
+            </a:extLst>
+          </p:cNvPr>
+          <p:cNvCxnSpPr/>
+          <p:nvPr/>
+        </p:nvCxnSpPr>
+        <p:spPr>
+          <a:xfrm>
+            <a:off x="7133633" y="4080427"/>
+            <a:ext cx="817825" cy="17100"/>
+          </a:xfrm>
+          <a:prstGeom prst="straightConnector1">
+            <a:avLst/>
+          </a:prstGeom>
+          <a:ln w="38100">
+            <a:prstDash val="sysDash"/>
+            <a:tailEnd type="triangle"/>
+          </a:ln>
+        </p:spPr>
+        <p:style>
+          <a:lnRef idx="1">
+            <a:schemeClr val="accent1"/>
+          </a:lnRef>
+          <a:fillRef idx="0">
+            <a:schemeClr val="accent1"/>
+          </a:fillRef>
+          <a:effectRef idx="0">
+            <a:schemeClr val="accent1"/>
+          </a:effectRef>
+          <a:fontRef idx="minor">
+            <a:schemeClr val="tx1"/>
+          </a:fontRef>
+        </p:style>
+      </p:cxnSp>
+      <p:cxnSp>
+        <p:nvCxnSpPr>
+          <p:cNvPr id="29" name="Egyenes összekötő nyíllal 28">
+            <a:extLst>
+              <a:ext uri="{FF2B5EF4-FFF2-40B4-BE49-F238E27FC236}">
+                <a16:creationId xmlns:a16="http://schemas.microsoft.com/office/drawing/2014/main" id="{0830AF4D-599D-FE97-AA63-C5B4C9A63CF0}"/>
+              </a:ext>
+            </a:extLst>
+          </p:cNvPr>
+          <p:cNvCxnSpPr/>
+          <p:nvPr/>
+        </p:nvCxnSpPr>
+        <p:spPr>
+          <a:xfrm>
+            <a:off x="7114291" y="3305016"/>
+            <a:ext cx="817825" cy="17100"/>
+          </a:xfrm>
+          <a:prstGeom prst="straightConnector1">
+            <a:avLst/>
+          </a:prstGeom>
+          <a:ln w="38100">
+            <a:prstDash val="sysDash"/>
+            <a:tailEnd type="triangle"/>
+          </a:ln>
+        </p:spPr>
+        <p:style>
+          <a:lnRef idx="1">
+            <a:schemeClr val="accent1"/>
+          </a:lnRef>
+          <a:fillRef idx="0">
+            <a:schemeClr val="accent1"/>
+          </a:fillRef>
+          <a:effectRef idx="0">
+            <a:schemeClr val="accent1"/>
+          </a:effectRef>
+          <a:fontRef idx="minor">
+            <a:schemeClr val="tx1"/>
+          </a:fontRef>
+        </p:style>
+      </p:cxnSp>
+      <p:cxnSp>
+        <p:nvCxnSpPr>
+          <p:cNvPr id="30" name="Egyenes összekötő nyíllal 29">
+            <a:extLst>
+              <a:ext uri="{FF2B5EF4-FFF2-40B4-BE49-F238E27FC236}">
+                <a16:creationId xmlns:a16="http://schemas.microsoft.com/office/drawing/2014/main" id="{4AE20E84-A4C5-9789-C224-438FB646BBD5}"/>
+              </a:ext>
+            </a:extLst>
+          </p:cNvPr>
+          <p:cNvCxnSpPr/>
+          <p:nvPr/>
+        </p:nvCxnSpPr>
+        <p:spPr>
+          <a:xfrm>
+            <a:off x="7106635" y="4805084"/>
+            <a:ext cx="817825" cy="17100"/>
+          </a:xfrm>
+          <a:prstGeom prst="straightConnector1">
+            <a:avLst/>
+          </a:prstGeom>
+          <a:ln w="38100">
+            <a:prstDash val="sysDash"/>
+            <a:tailEnd type="triangle"/>
+          </a:ln>
+        </p:spPr>
+        <p:style>
+          <a:lnRef idx="1">
+            <a:schemeClr val="accent1"/>
+          </a:lnRef>
+          <a:fillRef idx="0">
+            <a:schemeClr val="accent1"/>
+          </a:fillRef>
+          <a:effectRef idx="0">
+            <a:schemeClr val="accent1"/>
+          </a:effectRef>
+          <a:fontRef idx="minor">
+            <a:schemeClr val="tx1"/>
+          </a:fontRef>
+        </p:style>
+      </p:cxnSp>
+      <p:cxnSp>
+        <p:nvCxnSpPr>
+          <p:cNvPr id="32" name="Összekötő: görbe 31">
+            <a:extLst>
+              <a:ext uri="{FF2B5EF4-FFF2-40B4-BE49-F238E27FC236}">
+                <a16:creationId xmlns:a16="http://schemas.microsoft.com/office/drawing/2014/main" id="{3F95B586-2484-E15A-BDFF-FACE8B560FB6}"/>
+              </a:ext>
+            </a:extLst>
+          </p:cNvPr>
+          <p:cNvCxnSpPr>
+            <a:cxnSpLocks/>
+            <a:stCxn id="13" idx="2"/>
+            <a:endCxn id="15" idx="0"/>
+          </p:cNvCxnSpPr>
+          <p:nvPr/>
+        </p:nvCxnSpPr>
+        <p:spPr>
+          <a:xfrm rot="5400000">
+            <a:off x="5818261" y="2894276"/>
+            <a:ext cx="304167" cy="12700"/>
+          </a:xfrm>
+          <a:prstGeom prst="curvedConnector3">
+            <a:avLst/>
+          </a:prstGeom>
+          <a:ln w="38100">
+            <a:prstDash val="sysDash"/>
+            <a:tailEnd type="triangle"/>
+          </a:ln>
+        </p:spPr>
+        <p:style>
+          <a:lnRef idx="1">
+            <a:schemeClr val="accent1"/>
+          </a:lnRef>
+          <a:fillRef idx="0">
+            <a:schemeClr val="accent1"/>
+          </a:fillRef>
+          <a:effectRef idx="0">
+            <a:schemeClr val="accent1"/>
+          </a:effectRef>
+          <a:fontRef idx="minor">
+            <a:schemeClr val="tx1"/>
+          </a:fontRef>
+        </p:style>
+      </p:cxnSp>
+      <p:cxnSp>
+        <p:nvCxnSpPr>
+          <p:cNvPr id="36" name="Összekötő: görbe 35">
+            <a:extLst>
+              <a:ext uri="{FF2B5EF4-FFF2-40B4-BE49-F238E27FC236}">
+                <a16:creationId xmlns:a16="http://schemas.microsoft.com/office/drawing/2014/main" id="{A197FB1E-0BB6-7E79-C487-D529ADA03C06}"/>
+              </a:ext>
+            </a:extLst>
+          </p:cNvPr>
+          <p:cNvCxnSpPr>
+            <a:cxnSpLocks/>
+          </p:cNvCxnSpPr>
+          <p:nvPr/>
+        </p:nvCxnSpPr>
+        <p:spPr>
+          <a:xfrm rot="16200000" flipH="1">
+            <a:off x="6225522" y="3135964"/>
+            <a:ext cx="1044922" cy="278413"/>
+          </a:xfrm>
+          <a:prstGeom prst="curvedConnector3">
+            <a:avLst>
+              <a:gd name="adj1" fmla="val 50000"/>
+            </a:avLst>
+          </a:prstGeom>
+          <a:ln w="38100">
+            <a:prstDash val="sysDash"/>
+            <a:tailEnd type="triangle"/>
+          </a:ln>
+        </p:spPr>
+        <p:style>
+          <a:lnRef idx="1">
+            <a:schemeClr val="accent1"/>
+          </a:lnRef>
+          <a:fillRef idx="0">
+            <a:schemeClr val="accent1"/>
+          </a:fillRef>
+          <a:effectRef idx="0">
+            <a:schemeClr val="accent1"/>
+          </a:effectRef>
+          <a:fontRef idx="minor">
+            <a:schemeClr val="tx1"/>
+          </a:fontRef>
+        </p:style>
+      </p:cxnSp>
+      <p:cxnSp>
+        <p:nvCxnSpPr>
+          <p:cNvPr id="41" name="Összekötő: görbe 40">
+            <a:extLst>
+              <a:ext uri="{FF2B5EF4-FFF2-40B4-BE49-F238E27FC236}">
+                <a16:creationId xmlns:a16="http://schemas.microsoft.com/office/drawing/2014/main" id="{012419EA-27CD-7D2E-2FCA-6CDD1E2DD8A5}"/>
+              </a:ext>
+            </a:extLst>
+          </p:cNvPr>
+          <p:cNvCxnSpPr>
+            <a:cxnSpLocks/>
+            <a:stCxn id="15" idx="2"/>
+            <a:endCxn id="14" idx="0"/>
+          </p:cNvCxnSpPr>
+          <p:nvPr/>
+        </p:nvCxnSpPr>
+        <p:spPr>
+          <a:xfrm rot="5400000">
+            <a:off x="5847910" y="3693893"/>
+            <a:ext cx="244866" cy="3"/>
+          </a:xfrm>
+          <a:prstGeom prst="curvedConnector3">
+            <a:avLst>
+              <a:gd name="adj1" fmla="val 50000"/>
+            </a:avLst>
+          </a:prstGeom>
+          <a:ln w="38100">
+            <a:prstDash val="sysDash"/>
+            <a:tailEnd type="triangle"/>
+          </a:ln>
+        </p:spPr>
+        <p:style>
+          <a:lnRef idx="1">
+            <a:schemeClr val="accent1"/>
+          </a:lnRef>
+          <a:fillRef idx="0">
+            <a:schemeClr val="accent1"/>
+          </a:fillRef>
+          <a:effectRef idx="0">
+            <a:schemeClr val="accent1"/>
+          </a:effectRef>
+          <a:fontRef idx="minor">
+            <a:schemeClr val="tx1"/>
+          </a:fontRef>
+        </p:style>
+      </p:cxnSp>
+      <p:cxnSp>
+        <p:nvCxnSpPr>
+          <p:cNvPr id="44" name="Összekötő: görbe 43">
+            <a:extLst>
+              <a:ext uri="{FF2B5EF4-FFF2-40B4-BE49-F238E27FC236}">
+                <a16:creationId xmlns:a16="http://schemas.microsoft.com/office/drawing/2014/main" id="{3E1E42F2-56CC-0AE9-27D2-2EDFDF98B5E0}"/>
+              </a:ext>
+            </a:extLst>
+          </p:cNvPr>
+          <p:cNvCxnSpPr>
+            <a:cxnSpLocks/>
+          </p:cNvCxnSpPr>
+          <p:nvPr/>
+        </p:nvCxnSpPr>
+        <p:spPr>
+          <a:xfrm rot="5400000">
+            <a:off x="4246117" y="3527615"/>
+            <a:ext cx="1864663" cy="245393"/>
+          </a:xfrm>
+          <a:prstGeom prst="curvedConnector3">
+            <a:avLst>
+              <a:gd name="adj1" fmla="val 23782"/>
+            </a:avLst>
+          </a:prstGeom>
+          <a:ln w="38100">
+            <a:prstDash val="sysDash"/>
+            <a:tailEnd type="triangle"/>
+          </a:ln>
+        </p:spPr>
+        <p:style>
+          <a:lnRef idx="1">
+            <a:schemeClr val="accent1"/>
+          </a:lnRef>
+          <a:fillRef idx="0">
+            <a:schemeClr val="accent1"/>
+          </a:fillRef>
+          <a:effectRef idx="0">
+            <a:schemeClr val="accent1"/>
+          </a:effectRef>
+          <a:fontRef idx="minor">
+            <a:schemeClr val="tx1"/>
+          </a:fontRef>
+        </p:style>
+      </p:cxnSp>
+      <p:sp>
+        <p:nvSpPr>
+          <p:cNvPr id="13" name="Téglalap: lekerekített 12">
+            <a:extLst>
+              <a:ext uri="{FF2B5EF4-FFF2-40B4-BE49-F238E27FC236}">
+                <a16:creationId xmlns:a16="http://schemas.microsoft.com/office/drawing/2014/main" id="{55FDF2D7-3DB0-9292-9DA2-CFC459D9880D}"/>
+              </a:ext>
+            </a:extLst>
+          </p:cNvPr>
+          <p:cNvSpPr/>
+          <p:nvPr/>
+        </p:nvSpPr>
+        <p:spPr>
+          <a:xfrm>
+            <a:off x="4820553" y="2217092"/>
+            <a:ext cx="2299581" cy="525101"/>
+          </a:xfrm>
+          <a:prstGeom prst="roundRect">
+            <a:avLst/>
+          </a:prstGeom>
+          <a:ln/>
+        </p:spPr>
+        <p:style>
+          <a:lnRef idx="0">
+            <a:schemeClr val="accent2"/>
+          </a:lnRef>
+          <a:fillRef idx="3">
+            <a:schemeClr val="accent2"/>
+          </a:fillRef>
+          <a:effectRef idx="3">
+            <a:schemeClr val="accent2"/>
+          </a:effectRef>
+          <a:fontRef idx="minor">
+            <a:schemeClr val="lt1"/>
+          </a:fontRef>
+        </p:style>
+        <p:txBody>
+          <a:bodyPr rtlCol="0" anchor="ctr"/>
+          <a:lstStyle/>
+          <a:p>
+            <a:pPr algn="ctr"/>
+            <a:r>
+              <a:rPr lang="en-US" sz="1600" dirty="0"/>
+              <a:t>Appointment service</a:t>
+            </a:r>
+            <a:endParaRPr lang="hu-HU" sz="1600" dirty="0"/>
           </a:p>
         </p:txBody>
       </p:sp>
@@ -11606,10 +13362,10 @@
       </p:grpSpPr>
       <p:pic>
         <p:nvPicPr>
-          <p:cNvPr id="5" name="Kép 4">
+          <p:cNvPr id="4" name="Kép 3">
             <a:extLst>
               <a:ext uri="{FF2B5EF4-FFF2-40B4-BE49-F238E27FC236}">
-                <a16:creationId xmlns:a16="http://schemas.microsoft.com/office/drawing/2014/main" id="{264E7182-4644-9A05-7AE0-7C77E8EAE361}"/>
+                <a16:creationId xmlns:a16="http://schemas.microsoft.com/office/drawing/2014/main" id="{9581D6AD-B404-607D-D3A8-6C0A60732022}"/>
               </a:ext>
             </a:extLst>
           </p:cNvPr>
@@ -11619,15 +13375,15 @@
           <p:nvPr/>
         </p:nvPicPr>
         <p:blipFill>
-          <a:blip r:embed="rId2"/>
+          <a:blip r:embed="rId3"/>
           <a:stretch>
             <a:fillRect/>
           </a:stretch>
         </p:blipFill>
         <p:spPr>
           <a:xfrm>
-            <a:off x="1093341" y="422323"/>
-            <a:ext cx="7356882" cy="5730543"/>
+            <a:off x="786308" y="116957"/>
+            <a:ext cx="8378720" cy="5762847"/>
           </a:xfrm>
           <a:prstGeom prst="rect">
             <a:avLst/>
